--- a/20- Modelo Conceitual de Negócio.pptx
+++ b/20- Modelo Conceitual de Negócio.pptx
@@ -3476,10 +3476,10 @@
       </p:sp>
       <p:pic>
         <p:nvPicPr>
-          <p:cNvPr id="4" name="Imagem 3">
-            <a:extLst>
-              <a:ext uri="{FF2B5EF4-FFF2-40B4-BE49-F238E27FC236}">
-                <a16:creationId xmlns:a16="http://schemas.microsoft.com/office/drawing/2014/main" id="{85CB24FC-72EB-4D3F-8650-6653855E1AE8}"/>
+          <p:cNvPr id="5" name="Imagem 4">
+            <a:extLst>
+              <a:ext uri="{FF2B5EF4-FFF2-40B4-BE49-F238E27FC236}">
+                <a16:creationId xmlns:a16="http://schemas.microsoft.com/office/drawing/2014/main" id="{01997737-0E3C-487E-B8A7-D132E68ADED1}"/>
               </a:ext>
             </a:extLst>
           </p:cNvPr>
@@ -3502,8 +3502,8 @@
         </p:blipFill>
         <p:spPr>
           <a:xfrm>
-            <a:off x="1035816" y="2581810"/>
-            <a:ext cx="9787546" cy="2556859"/>
+            <a:off x="521980" y="2517416"/>
+            <a:ext cx="10818942" cy="2814438"/>
           </a:xfrm>
           <a:prstGeom prst="rect">
             <a:avLst/>

--- a/20- Modelo Conceitual de Negócio.pptx
+++ b/20- Modelo Conceitual de Negócio.pptx
@@ -3468,7 +3468,15 @@
                 <a:latin typeface="Arial" panose="020B0604020202020204" pitchFamily="34" charset="0"/>
                 <a:ea typeface="Calibri" panose="020F0502020204030204" pitchFamily="34" charset="0"/>
               </a:rPr>
-              <a:t>Capacidade: Vender produtos prontos</a:t>
+              <a:t>Capacidade: </a:t>
+            </a:r>
+            <a:r>
+              <a:rPr lang="pt-BR" sz="4400" b="1">
+                <a:effectLst/>
+                <a:latin typeface="Arial" panose="020B0604020202020204" pitchFamily="34" charset="0"/>
+                <a:ea typeface="Calibri" panose="020F0502020204030204" pitchFamily="34" charset="0"/>
+              </a:rPr>
+              <a:t>Vender produto pronto</a:t>
             </a:r>
             <a:endParaRPr lang="pt-BR" dirty="0"/>
           </a:p>

--- a/20- Modelo Conceitual de Negócio.pptx
+++ b/20- Modelo Conceitual de Negócio.pptx
@@ -6,7 +6,6 @@
   </p:sldMasterIdLst>
   <p:sldIdLst>
     <p:sldId id="256" r:id="rId2"/>
-    <p:sldId id="257" r:id="rId3"/>
   </p:sldIdLst>
   <p:sldSz cx="12192000" cy="6858000"/>
   <p:notesSz cx="6858000" cy="9144000"/>
@@ -260,7 +259,7 @@
           <a:p>
             <a:fld id="{B78E17A4-BFF9-4F42-8518-FB604083F417}" type="datetimeFigureOut">
               <a:rPr lang="pt-BR" smtClean="0"/>
-              <a:t>07/10/2020</a:t>
+              <a:t>14/10/2020</a:t>
             </a:fld>
             <a:endParaRPr lang="pt-BR"/>
           </a:p>
@@ -458,7 +457,7 @@
           <a:p>
             <a:fld id="{B78E17A4-BFF9-4F42-8518-FB604083F417}" type="datetimeFigureOut">
               <a:rPr lang="pt-BR" smtClean="0"/>
-              <a:t>07/10/2020</a:t>
+              <a:t>14/10/2020</a:t>
             </a:fld>
             <a:endParaRPr lang="pt-BR"/>
           </a:p>
@@ -666,7 +665,7 @@
           <a:p>
             <a:fld id="{B78E17A4-BFF9-4F42-8518-FB604083F417}" type="datetimeFigureOut">
               <a:rPr lang="pt-BR" smtClean="0"/>
-              <a:t>07/10/2020</a:t>
+              <a:t>14/10/2020</a:t>
             </a:fld>
             <a:endParaRPr lang="pt-BR"/>
           </a:p>
@@ -864,7 +863,7 @@
           <a:p>
             <a:fld id="{B78E17A4-BFF9-4F42-8518-FB604083F417}" type="datetimeFigureOut">
               <a:rPr lang="pt-BR" smtClean="0"/>
-              <a:t>07/10/2020</a:t>
+              <a:t>14/10/2020</a:t>
             </a:fld>
             <a:endParaRPr lang="pt-BR"/>
           </a:p>
@@ -1139,7 +1138,7 @@
           <a:p>
             <a:fld id="{B78E17A4-BFF9-4F42-8518-FB604083F417}" type="datetimeFigureOut">
               <a:rPr lang="pt-BR" smtClean="0"/>
-              <a:t>07/10/2020</a:t>
+              <a:t>14/10/2020</a:t>
             </a:fld>
             <a:endParaRPr lang="pt-BR"/>
           </a:p>
@@ -1404,7 +1403,7 @@
           <a:p>
             <a:fld id="{B78E17A4-BFF9-4F42-8518-FB604083F417}" type="datetimeFigureOut">
               <a:rPr lang="pt-BR" smtClean="0"/>
-              <a:t>07/10/2020</a:t>
+              <a:t>14/10/2020</a:t>
             </a:fld>
             <a:endParaRPr lang="pt-BR"/>
           </a:p>
@@ -1816,7 +1815,7 @@
           <a:p>
             <a:fld id="{B78E17A4-BFF9-4F42-8518-FB604083F417}" type="datetimeFigureOut">
               <a:rPr lang="pt-BR" smtClean="0"/>
-              <a:t>07/10/2020</a:t>
+              <a:t>14/10/2020</a:t>
             </a:fld>
             <a:endParaRPr lang="pt-BR"/>
           </a:p>
@@ -1957,7 +1956,7 @@
           <a:p>
             <a:fld id="{B78E17A4-BFF9-4F42-8518-FB604083F417}" type="datetimeFigureOut">
               <a:rPr lang="pt-BR" smtClean="0"/>
-              <a:t>07/10/2020</a:t>
+              <a:t>14/10/2020</a:t>
             </a:fld>
             <a:endParaRPr lang="pt-BR"/>
           </a:p>
@@ -2070,7 +2069,7 @@
           <a:p>
             <a:fld id="{B78E17A4-BFF9-4F42-8518-FB604083F417}" type="datetimeFigureOut">
               <a:rPr lang="pt-BR" smtClean="0"/>
-              <a:t>07/10/2020</a:t>
+              <a:t>14/10/2020</a:t>
             </a:fld>
             <a:endParaRPr lang="pt-BR"/>
           </a:p>
@@ -2381,7 +2380,7 @@
           <a:p>
             <a:fld id="{B78E17A4-BFF9-4F42-8518-FB604083F417}" type="datetimeFigureOut">
               <a:rPr lang="pt-BR" smtClean="0"/>
-              <a:t>07/10/2020</a:t>
+              <a:t>14/10/2020</a:t>
             </a:fld>
             <a:endParaRPr lang="pt-BR"/>
           </a:p>
@@ -2669,7 +2668,7 @@
           <a:p>
             <a:fld id="{B78E17A4-BFF9-4F42-8518-FB604083F417}" type="datetimeFigureOut">
               <a:rPr lang="pt-BR" smtClean="0"/>
-              <a:t>07/10/2020</a:t>
+              <a:t>14/10/2020</a:t>
             </a:fld>
             <a:endParaRPr lang="pt-BR"/>
           </a:p>
@@ -2910,7 +2909,7 @@
           <a:p>
             <a:fld id="{B78E17A4-BFF9-4F42-8518-FB604083F417}" type="datetimeFigureOut">
               <a:rPr lang="pt-BR" smtClean="0"/>
-              <a:t>07/10/2020</a:t>
+              <a:t>14/10/2020</a:t>
             </a:fld>
             <a:endParaRPr lang="pt-BR"/>
           </a:p>
@@ -3327,53 +3326,12 @@
           <a:chExt cx="0" cy="0"/>
         </a:xfrm>
       </p:grpSpPr>
-      <p:sp>
-        <p:nvSpPr>
-          <p:cNvPr id="2" name="Título 1">
-            <a:extLst>
-              <a:ext uri="{FF2B5EF4-FFF2-40B4-BE49-F238E27FC236}">
-                <a16:creationId xmlns:a16="http://schemas.microsoft.com/office/drawing/2014/main" id="{F7BCA7AB-49FF-479D-B9B4-6C31AA54CA15}"/>
-              </a:ext>
-            </a:extLst>
-          </p:cNvPr>
-          <p:cNvSpPr>
-            <a:spLocks noGrp="1"/>
-          </p:cNvSpPr>
-          <p:nvPr>
-            <p:ph type="title"/>
-          </p:nvPr>
-        </p:nvSpPr>
-        <p:spPr>
-          <a:xfrm>
-            <a:off x="231820" y="532550"/>
-            <a:ext cx="11500833" cy="639427"/>
-          </a:xfrm>
-        </p:spPr>
-        <p:txBody>
-          <a:bodyPr>
-            <a:noAutofit/>
-          </a:bodyPr>
-          <a:lstStyle/>
-          <a:p>
-            <a:pPr algn="ctr"/>
-            <a:r>
-              <a:rPr lang="pt-BR" sz="4000" b="1" dirty="0">
-                <a:effectLst/>
-                <a:latin typeface="Arial" panose="020B0604020202020204" pitchFamily="34" charset="0"/>
-                <a:ea typeface="Calibri" panose="020F0502020204030204" pitchFamily="34" charset="0"/>
-              </a:rPr>
-              <a:t>Capacidade: Tratar solicitação de serviços</a:t>
-            </a:r>
-            <a:endParaRPr lang="pt-BR" sz="4000" dirty="0"/>
-          </a:p>
-        </p:txBody>
-      </p:sp>
       <p:pic>
         <p:nvPicPr>
-          <p:cNvPr id="5" name="Imagem 4">
-            <a:extLst>
-              <a:ext uri="{FF2B5EF4-FFF2-40B4-BE49-F238E27FC236}">
-                <a16:creationId xmlns:a16="http://schemas.microsoft.com/office/drawing/2014/main" id="{21412FE9-E08E-49A2-8A7C-7EB421113E8B}"/>
+          <p:cNvPr id="9" name="Imagem 8">
+            <a:extLst>
+              <a:ext uri="{FF2B5EF4-FFF2-40B4-BE49-F238E27FC236}">
+                <a16:creationId xmlns:a16="http://schemas.microsoft.com/office/drawing/2014/main" id="{447C2657-AD7E-47F9-8C0E-EB140D28924F}"/>
               </a:ext>
             </a:extLst>
           </p:cNvPr>
@@ -3396,132 +3354,59 @@
         </p:blipFill>
         <p:spPr>
           <a:xfrm>
-            <a:off x="1062619" y="1782315"/>
-            <a:ext cx="10247065" cy="4787834"/>
+            <a:off x="2452915" y="1147988"/>
+            <a:ext cx="7483236" cy="5383441"/>
           </a:xfrm>
           <a:prstGeom prst="rect">
             <a:avLst/>
           </a:prstGeom>
         </p:spPr>
       </p:pic>
+      <p:sp>
+        <p:nvSpPr>
+          <p:cNvPr id="2" name="Título 1">
+            <a:extLst>
+              <a:ext uri="{FF2B5EF4-FFF2-40B4-BE49-F238E27FC236}">
+                <a16:creationId xmlns:a16="http://schemas.microsoft.com/office/drawing/2014/main" id="{F7BCA7AB-49FF-479D-B9B4-6C31AA54CA15}"/>
+              </a:ext>
+            </a:extLst>
+          </p:cNvPr>
+          <p:cNvSpPr>
+            <a:spLocks noGrp="1"/>
+          </p:cNvSpPr>
+          <p:nvPr>
+            <p:ph type="title"/>
+          </p:nvPr>
+        </p:nvSpPr>
+        <p:spPr>
+          <a:xfrm>
+            <a:off x="231820" y="532550"/>
+            <a:ext cx="11500833" cy="639427"/>
+          </a:xfrm>
+        </p:spPr>
+        <p:txBody>
+          <a:bodyPr>
+            <a:noAutofit/>
+          </a:bodyPr>
+          <a:lstStyle/>
+          <a:p>
+            <a:pPr algn="ctr"/>
+            <a:r>
+              <a:rPr lang="pt-BR" sz="4000" b="1" dirty="0">
+                <a:effectLst/>
+                <a:latin typeface="Arial" panose="020B0604020202020204" pitchFamily="34" charset="0"/>
+                <a:ea typeface="Calibri" panose="020F0502020204030204" pitchFamily="34" charset="0"/>
+              </a:rPr>
+              <a:t>Modelo Conceitual de negócio</a:t>
+            </a:r>
+            <a:endParaRPr lang="pt-BR" sz="4000" dirty="0"/>
+          </a:p>
+        </p:txBody>
+      </p:sp>
     </p:spTree>
     <p:extLst>
       <p:ext uri="{BB962C8B-B14F-4D97-AF65-F5344CB8AC3E}">
         <p14:creationId xmlns:p14="http://schemas.microsoft.com/office/powerpoint/2010/main" val="159151365"/>
-      </p:ext>
-    </p:extLst>
-  </p:cSld>
-  <p:clrMapOvr>
-    <a:masterClrMapping/>
-  </p:clrMapOvr>
-</p:sld>
-</file>
-
-<file path=ppt/slides/slide2.xml><?xml version="1.0" encoding="utf-8"?>
-<p:sld xmlns:a="http://schemas.openxmlformats.org/drawingml/2006/main" xmlns:r="http://schemas.openxmlformats.org/officeDocument/2006/relationships" xmlns:p="http://schemas.openxmlformats.org/presentationml/2006/main">
-  <p:cSld>
-    <p:spTree>
-      <p:nvGrpSpPr>
-        <p:cNvPr id="1" name=""/>
-        <p:cNvGrpSpPr/>
-        <p:nvPr/>
-      </p:nvGrpSpPr>
-      <p:grpSpPr>
-        <a:xfrm>
-          <a:off x="0" y="0"/>
-          <a:ext cx="0" cy="0"/>
-          <a:chOff x="0" y="0"/>
-          <a:chExt cx="0" cy="0"/>
-        </a:xfrm>
-      </p:grpSpPr>
-      <p:sp>
-        <p:nvSpPr>
-          <p:cNvPr id="2" name="Título 1">
-            <a:extLst>
-              <a:ext uri="{FF2B5EF4-FFF2-40B4-BE49-F238E27FC236}">
-                <a16:creationId xmlns:a16="http://schemas.microsoft.com/office/drawing/2014/main" id="{BC8D8284-2A0E-418B-BAA9-82FF136B8A94}"/>
-              </a:ext>
-            </a:extLst>
-          </p:cNvPr>
-          <p:cNvSpPr>
-            <a:spLocks noGrp="1"/>
-          </p:cNvSpPr>
-          <p:nvPr>
-            <p:ph type="title"/>
-          </p:nvPr>
-        </p:nvSpPr>
-        <p:spPr>
-          <a:xfrm>
-            <a:off x="450762" y="437882"/>
-            <a:ext cx="10890160" cy="875763"/>
-          </a:xfrm>
-        </p:spPr>
-        <p:txBody>
-          <a:bodyPr>
-            <a:normAutofit/>
-          </a:bodyPr>
-          <a:lstStyle/>
-          <a:p>
-            <a:r>
-              <a:rPr lang="pt-BR" sz="4400" b="1" dirty="0">
-                <a:effectLst/>
-                <a:latin typeface="Arial" panose="020B0604020202020204" pitchFamily="34" charset="0"/>
-                <a:ea typeface="Calibri" panose="020F0502020204030204" pitchFamily="34" charset="0"/>
-              </a:rPr>
-              <a:t>Capacidade: </a:t>
-            </a:r>
-            <a:r>
-              <a:rPr lang="pt-BR" sz="4400" b="1">
-                <a:effectLst/>
-                <a:latin typeface="Arial" panose="020B0604020202020204" pitchFamily="34" charset="0"/>
-                <a:ea typeface="Calibri" panose="020F0502020204030204" pitchFamily="34" charset="0"/>
-              </a:rPr>
-              <a:t>Vender produto pronto</a:t>
-            </a:r>
-            <a:endParaRPr lang="pt-BR" dirty="0"/>
-          </a:p>
-        </p:txBody>
-      </p:sp>
-      <p:pic>
-        <p:nvPicPr>
-          <p:cNvPr id="5" name="Imagem 4">
-            <a:extLst>
-              <a:ext uri="{FF2B5EF4-FFF2-40B4-BE49-F238E27FC236}">
-                <a16:creationId xmlns:a16="http://schemas.microsoft.com/office/drawing/2014/main" id="{01997737-0E3C-487E-B8A7-D132E68ADED1}"/>
-              </a:ext>
-            </a:extLst>
-          </p:cNvPr>
-          <p:cNvPicPr>
-            <a:picLocks noChangeAspect="1"/>
-          </p:cNvPicPr>
-          <p:nvPr/>
-        </p:nvPicPr>
-        <p:blipFill>
-          <a:blip r:embed="rId2">
-            <a:extLst>
-              <a:ext uri="{28A0092B-C50C-407E-A947-70E740481C1C}">
-                <a14:useLocalDpi xmlns:a14="http://schemas.microsoft.com/office/drawing/2010/main" val="0"/>
-              </a:ext>
-            </a:extLst>
-          </a:blip>
-          <a:stretch>
-            <a:fillRect/>
-          </a:stretch>
-        </p:blipFill>
-        <p:spPr>
-          <a:xfrm>
-            <a:off x="521980" y="2517416"/>
-            <a:ext cx="10818942" cy="2814438"/>
-          </a:xfrm>
-          <a:prstGeom prst="rect">
-            <a:avLst/>
-          </a:prstGeom>
-        </p:spPr>
-      </p:pic>
-    </p:spTree>
-    <p:extLst>
-      <p:ext uri="{BB962C8B-B14F-4D97-AF65-F5344CB8AC3E}">
-        <p14:creationId xmlns:p14="http://schemas.microsoft.com/office/powerpoint/2010/main" val="1396807715"/>
       </p:ext>
     </p:extLst>
   </p:cSld>

--- a/20- Modelo Conceitual de Negócio.pptx
+++ b/20- Modelo Conceitual de Negócio.pptx
@@ -259,7 +259,7 @@
           <a:p>
             <a:fld id="{B78E17A4-BFF9-4F42-8518-FB604083F417}" type="datetimeFigureOut">
               <a:rPr lang="pt-BR" smtClean="0"/>
-              <a:t>14/10/2020</a:t>
+              <a:t>21/10/2020</a:t>
             </a:fld>
             <a:endParaRPr lang="pt-BR"/>
           </a:p>
@@ -457,7 +457,7 @@
           <a:p>
             <a:fld id="{B78E17A4-BFF9-4F42-8518-FB604083F417}" type="datetimeFigureOut">
               <a:rPr lang="pt-BR" smtClean="0"/>
-              <a:t>14/10/2020</a:t>
+              <a:t>21/10/2020</a:t>
             </a:fld>
             <a:endParaRPr lang="pt-BR"/>
           </a:p>
@@ -665,7 +665,7 @@
           <a:p>
             <a:fld id="{B78E17A4-BFF9-4F42-8518-FB604083F417}" type="datetimeFigureOut">
               <a:rPr lang="pt-BR" smtClean="0"/>
-              <a:t>14/10/2020</a:t>
+              <a:t>21/10/2020</a:t>
             </a:fld>
             <a:endParaRPr lang="pt-BR"/>
           </a:p>
@@ -863,7 +863,7 @@
           <a:p>
             <a:fld id="{B78E17A4-BFF9-4F42-8518-FB604083F417}" type="datetimeFigureOut">
               <a:rPr lang="pt-BR" smtClean="0"/>
-              <a:t>14/10/2020</a:t>
+              <a:t>21/10/2020</a:t>
             </a:fld>
             <a:endParaRPr lang="pt-BR"/>
           </a:p>
@@ -1138,7 +1138,7 @@
           <a:p>
             <a:fld id="{B78E17A4-BFF9-4F42-8518-FB604083F417}" type="datetimeFigureOut">
               <a:rPr lang="pt-BR" smtClean="0"/>
-              <a:t>14/10/2020</a:t>
+              <a:t>21/10/2020</a:t>
             </a:fld>
             <a:endParaRPr lang="pt-BR"/>
           </a:p>
@@ -1403,7 +1403,7 @@
           <a:p>
             <a:fld id="{B78E17A4-BFF9-4F42-8518-FB604083F417}" type="datetimeFigureOut">
               <a:rPr lang="pt-BR" smtClean="0"/>
-              <a:t>14/10/2020</a:t>
+              <a:t>21/10/2020</a:t>
             </a:fld>
             <a:endParaRPr lang="pt-BR"/>
           </a:p>
@@ -1815,7 +1815,7 @@
           <a:p>
             <a:fld id="{B78E17A4-BFF9-4F42-8518-FB604083F417}" type="datetimeFigureOut">
               <a:rPr lang="pt-BR" smtClean="0"/>
-              <a:t>14/10/2020</a:t>
+              <a:t>21/10/2020</a:t>
             </a:fld>
             <a:endParaRPr lang="pt-BR"/>
           </a:p>
@@ -1956,7 +1956,7 @@
           <a:p>
             <a:fld id="{B78E17A4-BFF9-4F42-8518-FB604083F417}" type="datetimeFigureOut">
               <a:rPr lang="pt-BR" smtClean="0"/>
-              <a:t>14/10/2020</a:t>
+              <a:t>21/10/2020</a:t>
             </a:fld>
             <a:endParaRPr lang="pt-BR"/>
           </a:p>
@@ -2069,7 +2069,7 @@
           <a:p>
             <a:fld id="{B78E17A4-BFF9-4F42-8518-FB604083F417}" type="datetimeFigureOut">
               <a:rPr lang="pt-BR" smtClean="0"/>
-              <a:t>14/10/2020</a:t>
+              <a:t>21/10/2020</a:t>
             </a:fld>
             <a:endParaRPr lang="pt-BR"/>
           </a:p>
@@ -2380,7 +2380,7 @@
           <a:p>
             <a:fld id="{B78E17A4-BFF9-4F42-8518-FB604083F417}" type="datetimeFigureOut">
               <a:rPr lang="pt-BR" smtClean="0"/>
-              <a:t>14/10/2020</a:t>
+              <a:t>21/10/2020</a:t>
             </a:fld>
             <a:endParaRPr lang="pt-BR"/>
           </a:p>
@@ -2668,7 +2668,7 @@
           <a:p>
             <a:fld id="{B78E17A4-BFF9-4F42-8518-FB604083F417}" type="datetimeFigureOut">
               <a:rPr lang="pt-BR" smtClean="0"/>
-              <a:t>14/10/2020</a:t>
+              <a:t>21/10/2020</a:t>
             </a:fld>
             <a:endParaRPr lang="pt-BR"/>
           </a:p>
@@ -2909,7 +2909,7 @@
           <a:p>
             <a:fld id="{B78E17A4-BFF9-4F42-8518-FB604083F417}" type="datetimeFigureOut">
               <a:rPr lang="pt-BR" smtClean="0"/>
-              <a:t>14/10/2020</a:t>
+              <a:t>21/10/2020</a:t>
             </a:fld>
             <a:endParaRPr lang="pt-BR"/>
           </a:p>
@@ -3326,12 +3326,53 @@
           <a:chExt cx="0" cy="0"/>
         </a:xfrm>
       </p:grpSpPr>
+      <p:sp>
+        <p:nvSpPr>
+          <p:cNvPr id="2" name="Título 1">
+            <a:extLst>
+              <a:ext uri="{FF2B5EF4-FFF2-40B4-BE49-F238E27FC236}">
+                <a16:creationId xmlns:a16="http://schemas.microsoft.com/office/drawing/2014/main" id="{F7BCA7AB-49FF-479D-B9B4-6C31AA54CA15}"/>
+              </a:ext>
+            </a:extLst>
+          </p:cNvPr>
+          <p:cNvSpPr>
+            <a:spLocks noGrp="1"/>
+          </p:cNvSpPr>
+          <p:nvPr>
+            <p:ph type="title"/>
+          </p:nvPr>
+        </p:nvSpPr>
+        <p:spPr>
+          <a:xfrm>
+            <a:off x="231820" y="0"/>
+            <a:ext cx="11500833" cy="639427"/>
+          </a:xfrm>
+        </p:spPr>
+        <p:txBody>
+          <a:bodyPr>
+            <a:noAutofit/>
+          </a:bodyPr>
+          <a:lstStyle/>
+          <a:p>
+            <a:pPr algn="ctr"/>
+            <a:r>
+              <a:rPr lang="pt-BR" sz="4000" b="1" dirty="0">
+                <a:effectLst/>
+                <a:latin typeface="Arial" panose="020B0604020202020204" pitchFamily="34" charset="0"/>
+                <a:ea typeface="Calibri" panose="020F0502020204030204" pitchFamily="34" charset="0"/>
+              </a:rPr>
+              <a:t>Modelo Conceitual de negócio</a:t>
+            </a:r>
+            <a:endParaRPr lang="pt-BR" sz="4000" dirty="0"/>
+          </a:p>
+        </p:txBody>
+      </p:sp>
       <p:pic>
         <p:nvPicPr>
-          <p:cNvPr id="9" name="Imagem 8">
-            <a:extLst>
-              <a:ext uri="{FF2B5EF4-FFF2-40B4-BE49-F238E27FC236}">
-                <a16:creationId xmlns:a16="http://schemas.microsoft.com/office/drawing/2014/main" id="{447C2657-AD7E-47F9-8C0E-EB140D28924F}"/>
+          <p:cNvPr id="4" name="Imagem 3">
+            <a:extLst>
+              <a:ext uri="{FF2B5EF4-FFF2-40B4-BE49-F238E27FC236}">
+                <a16:creationId xmlns:a16="http://schemas.microsoft.com/office/drawing/2014/main" id="{3184F5A4-313B-4F32-AF7A-EDB3960902AB}"/>
               </a:ext>
             </a:extLst>
           </p:cNvPr>
@@ -3354,55 +3395,14 @@
         </p:blipFill>
         <p:spPr>
           <a:xfrm>
-            <a:off x="2452915" y="1147988"/>
-            <a:ext cx="7483236" cy="5383441"/>
+            <a:off x="1114869" y="639427"/>
+            <a:ext cx="9734733" cy="6013164"/>
           </a:xfrm>
           <a:prstGeom prst="rect">
             <a:avLst/>
           </a:prstGeom>
         </p:spPr>
       </p:pic>
-      <p:sp>
-        <p:nvSpPr>
-          <p:cNvPr id="2" name="Título 1">
-            <a:extLst>
-              <a:ext uri="{FF2B5EF4-FFF2-40B4-BE49-F238E27FC236}">
-                <a16:creationId xmlns:a16="http://schemas.microsoft.com/office/drawing/2014/main" id="{F7BCA7AB-49FF-479D-B9B4-6C31AA54CA15}"/>
-              </a:ext>
-            </a:extLst>
-          </p:cNvPr>
-          <p:cNvSpPr>
-            <a:spLocks noGrp="1"/>
-          </p:cNvSpPr>
-          <p:nvPr>
-            <p:ph type="title"/>
-          </p:nvPr>
-        </p:nvSpPr>
-        <p:spPr>
-          <a:xfrm>
-            <a:off x="231820" y="532550"/>
-            <a:ext cx="11500833" cy="639427"/>
-          </a:xfrm>
-        </p:spPr>
-        <p:txBody>
-          <a:bodyPr>
-            <a:noAutofit/>
-          </a:bodyPr>
-          <a:lstStyle/>
-          <a:p>
-            <a:pPr algn="ctr"/>
-            <a:r>
-              <a:rPr lang="pt-BR" sz="4000" b="1" dirty="0">
-                <a:effectLst/>
-                <a:latin typeface="Arial" panose="020B0604020202020204" pitchFamily="34" charset="0"/>
-                <a:ea typeface="Calibri" panose="020F0502020204030204" pitchFamily="34" charset="0"/>
-              </a:rPr>
-              <a:t>Modelo Conceitual de negócio</a:t>
-            </a:r>
-            <a:endParaRPr lang="pt-BR" sz="4000" dirty="0"/>
-          </a:p>
-        </p:txBody>
-      </p:sp>
     </p:spTree>
     <p:extLst>
       <p:ext uri="{BB962C8B-B14F-4D97-AF65-F5344CB8AC3E}">
